--- a/docs/Checksummen.pptx
+++ b/docs/Checksummen.pptx
@@ -213,7 +213,7 @@
           <a:p>
             <a:fld id="{D08E676B-99DA-468B-8125-9996CB3B81D8}" type="datetimeFigureOut">
               <a:rPr lang="de-DE" smtClean="0"/>
-              <a:t>02.09.2014</a:t>
+              <a:t>27.06.2021</a:t>
             </a:fld>
             <a:endParaRPr lang="de-DE"/>
           </a:p>
@@ -277,38 +277,37 @@
           <a:p>
             <a:pPr lvl="0"/>
             <a:r>
-              <a:rPr lang="de-DE" smtClean="0"/>
+              <a:rPr lang="de-DE"/>
               <a:t>Textmasterformat bearbeiten</a:t>
             </a:r>
           </a:p>
           <a:p>
             <a:pPr lvl="1"/>
             <a:r>
-              <a:rPr lang="de-DE" smtClean="0"/>
+              <a:rPr lang="de-DE"/>
               <a:t>Zweite Ebene</a:t>
             </a:r>
           </a:p>
           <a:p>
             <a:pPr lvl="2"/>
             <a:r>
-              <a:rPr lang="de-DE" smtClean="0"/>
+              <a:rPr lang="de-DE"/>
               <a:t>Dritte Ebene</a:t>
             </a:r>
           </a:p>
           <a:p>
             <a:pPr lvl="3"/>
             <a:r>
-              <a:rPr lang="de-DE" smtClean="0"/>
+              <a:rPr lang="de-DE"/>
               <a:t>Vierte Ebene</a:t>
             </a:r>
           </a:p>
           <a:p>
             <a:pPr lvl="4"/>
             <a:r>
-              <a:rPr lang="de-DE" smtClean="0"/>
+              <a:rPr lang="de-DE"/>
               <a:t>Fünfte Ebene</a:t>
             </a:r>
-            <a:endParaRPr lang="de-DE"/>
           </a:p>
         </p:txBody>
       </p:sp>
@@ -638,7 +637,7 @@
               <a:pPr eaLnBrk="1" hangingPunct="1"/>
               <a:t>1</a:t>
             </a:fld>
-            <a:endParaRPr lang="de-DE" altLang="de-DE" sz="1300" smtClean="0"/>
+            <a:endParaRPr lang="de-DE" altLang="de-DE" sz="1300"/>
           </a:p>
         </p:txBody>
       </p:sp>
@@ -694,7 +693,7 @@
           <a:lstStyle/>
           <a:p>
             <a:pPr eaLnBrk="1" hangingPunct="1"/>
-            <a:endParaRPr lang="de-DE" altLang="de-DE" smtClean="0"/>
+            <a:endParaRPr lang="de-DE" altLang="de-DE"/>
           </a:p>
         </p:txBody>
       </p:sp>
@@ -952,7 +951,7 @@
               <a:pPr eaLnBrk="1" hangingPunct="1"/>
               <a:t>6</a:t>
             </a:fld>
-            <a:endParaRPr lang="de-DE" altLang="de-DE" sz="1300" smtClean="0"/>
+            <a:endParaRPr lang="de-DE" altLang="de-DE" sz="1300"/>
           </a:p>
         </p:txBody>
       </p:sp>
@@ -1008,7 +1007,7 @@
           <a:lstStyle/>
           <a:p>
             <a:pPr eaLnBrk="1" hangingPunct="1"/>
-            <a:endParaRPr lang="de-DE" altLang="de-DE" smtClean="0"/>
+            <a:endParaRPr lang="de-DE" altLang="de-DE"/>
           </a:p>
         </p:txBody>
       </p:sp>
@@ -1115,7 +1114,7 @@
           </a:lstStyle>
           <a:p>
             <a:r>
-              <a:rPr lang="de-DE" smtClean="0"/>
+              <a:rPr lang="de-DE"/>
               <a:t>Titelmasterformat durch Klicken bearbeiten</a:t>
             </a:r>
             <a:endParaRPr lang="en-US" dirty="0"/>
@@ -1180,7 +1179,7 @@
           </a:lstStyle>
           <a:p>
             <a:r>
-              <a:rPr lang="de-DE" smtClean="0"/>
+              <a:rPr lang="de-DE"/>
               <a:t>Formatvorlage des Untertitelmasters durch Klicken bearbeiten</a:t>
             </a:r>
             <a:endParaRPr lang="en-US" dirty="0"/>
@@ -1204,7 +1203,7 @@
           <a:p>
             <a:fld id="{D75541A3-967A-487C-8084-260E0DCAB27D}" type="datetime1">
               <a:rPr lang="de-DE" smtClean="0"/>
-              <a:t>02.09.2014</a:t>
+              <a:t>27.06.2021</a:t>
             </a:fld>
             <a:endParaRPr lang="de-DE"/>
           </a:p>
@@ -1226,10 +1225,9 @@
           <a:lstStyle/>
           <a:p>
             <a:r>
-              <a:rPr lang="de-DE" smtClean="0"/>
+              <a:rPr lang="de-DE"/>
               <a:t>JAuswertung - http://www.dennismueller.de</a:t>
             </a:r>
-            <a:endParaRPr lang="de-DE"/>
           </a:p>
         </p:txBody>
       </p:sp>
@@ -1302,7 +1300,7 @@
           <a:lstStyle/>
           <a:p>
             <a:r>
-              <a:rPr lang="de-DE" smtClean="0"/>
+              <a:rPr lang="de-DE"/>
               <a:t>Titelmasterformat durch Klicken bearbeiten</a:t>
             </a:r>
             <a:endParaRPr lang="en-US" dirty="0"/>
@@ -1326,35 +1324,35 @@
           <a:p>
             <a:pPr lvl="0"/>
             <a:r>
-              <a:rPr lang="de-DE" smtClean="0"/>
+              <a:rPr lang="de-DE"/>
               <a:t>Textmasterformat bearbeiten</a:t>
             </a:r>
           </a:p>
           <a:p>
             <a:pPr lvl="1"/>
             <a:r>
-              <a:rPr lang="de-DE" smtClean="0"/>
+              <a:rPr lang="de-DE"/>
               <a:t>Zweite Ebene</a:t>
             </a:r>
           </a:p>
           <a:p>
             <a:pPr lvl="2"/>
             <a:r>
-              <a:rPr lang="de-DE" smtClean="0"/>
+              <a:rPr lang="de-DE"/>
               <a:t>Dritte Ebene</a:t>
             </a:r>
           </a:p>
           <a:p>
             <a:pPr lvl="3"/>
             <a:r>
-              <a:rPr lang="de-DE" smtClean="0"/>
+              <a:rPr lang="de-DE"/>
               <a:t>Vierte Ebene</a:t>
             </a:r>
           </a:p>
           <a:p>
             <a:pPr lvl="4"/>
             <a:r>
-              <a:rPr lang="de-DE" smtClean="0"/>
+              <a:rPr lang="de-DE"/>
               <a:t>Fünfte Ebene</a:t>
             </a:r>
             <a:endParaRPr lang="en-US" dirty="0"/>
@@ -1378,7 +1376,7 @@
           <a:p>
             <a:fld id="{B3DAC3AC-63C2-44D2-B590-8639B00B234D}" type="datetime1">
               <a:rPr lang="de-DE" smtClean="0"/>
-              <a:t>02.09.2014</a:t>
+              <a:t>27.06.2021</a:t>
             </a:fld>
             <a:endParaRPr lang="de-DE"/>
           </a:p>
@@ -1400,10 +1398,9 @@
           <a:lstStyle/>
           <a:p>
             <a:r>
-              <a:rPr lang="de-DE" smtClean="0"/>
+              <a:rPr lang="de-DE"/>
               <a:t>JAuswertung - http://www.dennismueller.de</a:t>
             </a:r>
-            <a:endParaRPr lang="de-DE"/>
           </a:p>
         </p:txBody>
       </p:sp>
@@ -1481,7 +1478,7 @@
           <a:lstStyle/>
           <a:p>
             <a:r>
-              <a:rPr lang="de-DE" smtClean="0"/>
+              <a:rPr lang="de-DE"/>
               <a:t>Titelmasterformat durch Klicken bearbeiten</a:t>
             </a:r>
             <a:endParaRPr lang="en-US" dirty="0"/>
@@ -1510,35 +1507,35 @@
           <a:p>
             <a:pPr lvl="0"/>
             <a:r>
-              <a:rPr lang="de-DE" smtClean="0"/>
+              <a:rPr lang="de-DE"/>
               <a:t>Textmasterformat bearbeiten</a:t>
             </a:r>
           </a:p>
           <a:p>
             <a:pPr lvl="1"/>
             <a:r>
-              <a:rPr lang="de-DE" smtClean="0"/>
+              <a:rPr lang="de-DE"/>
               <a:t>Zweite Ebene</a:t>
             </a:r>
           </a:p>
           <a:p>
             <a:pPr lvl="2"/>
             <a:r>
-              <a:rPr lang="de-DE" smtClean="0"/>
+              <a:rPr lang="de-DE"/>
               <a:t>Dritte Ebene</a:t>
             </a:r>
           </a:p>
           <a:p>
             <a:pPr lvl="3"/>
             <a:r>
-              <a:rPr lang="de-DE" smtClean="0"/>
+              <a:rPr lang="de-DE"/>
               <a:t>Vierte Ebene</a:t>
             </a:r>
           </a:p>
           <a:p>
             <a:pPr lvl="4"/>
             <a:r>
-              <a:rPr lang="de-DE" smtClean="0"/>
+              <a:rPr lang="de-DE"/>
               <a:t>Fünfte Ebene</a:t>
             </a:r>
             <a:endParaRPr lang="en-US" dirty="0"/>
@@ -1562,7 +1559,7 @@
           <a:p>
             <a:fld id="{B5FD4693-3E6E-47FA-B9F8-DED0478B0DBD}" type="datetime1">
               <a:rPr lang="de-DE" smtClean="0"/>
-              <a:t>02.09.2014</a:t>
+              <a:t>27.06.2021</a:t>
             </a:fld>
             <a:endParaRPr lang="de-DE"/>
           </a:p>
@@ -1584,10 +1581,9 @@
           <a:lstStyle/>
           <a:p>
             <a:r>
-              <a:rPr lang="de-DE" smtClean="0"/>
+              <a:rPr lang="de-DE"/>
               <a:t>JAuswertung - http://www.dennismueller.de</a:t>
             </a:r>
-            <a:endParaRPr lang="de-DE"/>
           </a:p>
         </p:txBody>
       </p:sp>
@@ -1660,7 +1656,7 @@
           <a:lstStyle/>
           <a:p>
             <a:r>
-              <a:rPr lang="de-DE" smtClean="0"/>
+              <a:rPr lang="de-DE"/>
               <a:t>Titelmasterformat durch Klicken bearbeiten</a:t>
             </a:r>
             <a:endParaRPr lang="en-US" dirty="0"/>
@@ -1684,35 +1680,35 @@
           <a:p>
             <a:pPr lvl="0"/>
             <a:r>
-              <a:rPr lang="de-DE" smtClean="0"/>
+              <a:rPr lang="de-DE"/>
               <a:t>Textmasterformat bearbeiten</a:t>
             </a:r>
           </a:p>
           <a:p>
             <a:pPr lvl="1"/>
             <a:r>
-              <a:rPr lang="de-DE" smtClean="0"/>
+              <a:rPr lang="de-DE"/>
               <a:t>Zweite Ebene</a:t>
             </a:r>
           </a:p>
           <a:p>
             <a:pPr lvl="2"/>
             <a:r>
-              <a:rPr lang="de-DE" smtClean="0"/>
+              <a:rPr lang="de-DE"/>
               <a:t>Dritte Ebene</a:t>
             </a:r>
           </a:p>
           <a:p>
             <a:pPr lvl="3"/>
             <a:r>
-              <a:rPr lang="de-DE" smtClean="0"/>
+              <a:rPr lang="de-DE"/>
               <a:t>Vierte Ebene</a:t>
             </a:r>
           </a:p>
           <a:p>
             <a:pPr lvl="4"/>
             <a:r>
-              <a:rPr lang="de-DE" smtClean="0"/>
+              <a:rPr lang="de-DE"/>
               <a:t>Fünfte Ebene</a:t>
             </a:r>
             <a:endParaRPr lang="en-US" dirty="0"/>
@@ -1736,7 +1732,7 @@
           <a:p>
             <a:fld id="{F22CF71F-D7E4-4283-BE5C-96CAFFD5EDBB}" type="datetime1">
               <a:rPr lang="de-DE" smtClean="0"/>
-              <a:t>02.09.2014</a:t>
+              <a:t>27.06.2021</a:t>
             </a:fld>
             <a:endParaRPr lang="de-DE" dirty="0"/>
           </a:p>
@@ -1758,7 +1754,7 @@
           <a:lstStyle/>
           <a:p>
             <a:r>
-              <a:rPr lang="de-DE" smtClean="0"/>
+              <a:rPr lang="de-DE"/>
               <a:t>JAuswertung - http://www.dennismueller.de</a:t>
             </a:r>
             <a:endParaRPr lang="de-DE" dirty="0"/>
@@ -1843,7 +1839,7 @@
           </a:lstStyle>
           <a:p>
             <a:r>
-              <a:rPr lang="de-DE" smtClean="0"/>
+              <a:rPr lang="de-DE"/>
               <a:t>Titelmasterformat durch Klicken bearbeiten</a:t>
             </a:r>
             <a:endParaRPr lang="en-US" dirty="0"/>
@@ -1961,7 +1957,7 @@
           <a:p>
             <a:pPr lvl="0"/>
             <a:r>
-              <a:rPr lang="de-DE" smtClean="0"/>
+              <a:rPr lang="de-DE"/>
               <a:t>Textmasterformat bearbeiten</a:t>
             </a:r>
           </a:p>
@@ -1984,7 +1980,7 @@
           <a:p>
             <a:fld id="{8510108B-C3FA-4215-8092-E57DCDA6EAFE}" type="datetime1">
               <a:rPr lang="de-DE" smtClean="0"/>
-              <a:t>02.09.2014</a:t>
+              <a:t>27.06.2021</a:t>
             </a:fld>
             <a:endParaRPr lang="de-DE"/>
           </a:p>
@@ -2006,10 +2002,9 @@
           <a:lstStyle/>
           <a:p>
             <a:r>
-              <a:rPr lang="de-DE" smtClean="0"/>
+              <a:rPr lang="de-DE"/>
               <a:t>JAuswertung - http://www.dennismueller.de</a:t>
             </a:r>
-            <a:endParaRPr lang="de-DE"/>
           </a:p>
         </p:txBody>
       </p:sp>
@@ -2082,7 +2077,7 @@
           <a:lstStyle/>
           <a:p>
             <a:r>
-              <a:rPr lang="de-DE" smtClean="0"/>
+              <a:rPr lang="de-DE"/>
               <a:t>Titelmasterformat durch Klicken bearbeiten</a:t>
             </a:r>
             <a:endParaRPr lang="en-US" dirty="0"/>
@@ -2111,35 +2106,35 @@
           <a:p>
             <a:pPr lvl="0"/>
             <a:r>
-              <a:rPr lang="de-DE" smtClean="0"/>
+              <a:rPr lang="de-DE"/>
               <a:t>Textmasterformat bearbeiten</a:t>
             </a:r>
           </a:p>
           <a:p>
             <a:pPr lvl="1"/>
             <a:r>
-              <a:rPr lang="de-DE" smtClean="0"/>
+              <a:rPr lang="de-DE"/>
               <a:t>Zweite Ebene</a:t>
             </a:r>
           </a:p>
           <a:p>
             <a:pPr lvl="2"/>
             <a:r>
-              <a:rPr lang="de-DE" smtClean="0"/>
+              <a:rPr lang="de-DE"/>
               <a:t>Dritte Ebene</a:t>
             </a:r>
           </a:p>
           <a:p>
             <a:pPr lvl="3"/>
             <a:r>
-              <a:rPr lang="de-DE" smtClean="0"/>
+              <a:rPr lang="de-DE"/>
               <a:t>Vierte Ebene</a:t>
             </a:r>
           </a:p>
           <a:p>
             <a:pPr lvl="4"/>
             <a:r>
-              <a:rPr lang="de-DE" smtClean="0"/>
+              <a:rPr lang="de-DE"/>
               <a:t>Fünfte Ebene</a:t>
             </a:r>
             <a:endParaRPr lang="en-US" dirty="0"/>
@@ -2168,35 +2163,35 @@
           <a:p>
             <a:pPr lvl="0"/>
             <a:r>
-              <a:rPr lang="de-DE" smtClean="0"/>
+              <a:rPr lang="de-DE"/>
               <a:t>Textmasterformat bearbeiten</a:t>
             </a:r>
           </a:p>
           <a:p>
             <a:pPr lvl="1"/>
             <a:r>
-              <a:rPr lang="de-DE" smtClean="0"/>
+              <a:rPr lang="de-DE"/>
               <a:t>Zweite Ebene</a:t>
             </a:r>
           </a:p>
           <a:p>
             <a:pPr lvl="2"/>
             <a:r>
-              <a:rPr lang="de-DE" smtClean="0"/>
+              <a:rPr lang="de-DE"/>
               <a:t>Dritte Ebene</a:t>
             </a:r>
           </a:p>
           <a:p>
             <a:pPr lvl="3"/>
             <a:r>
-              <a:rPr lang="de-DE" smtClean="0"/>
+              <a:rPr lang="de-DE"/>
               <a:t>Vierte Ebene</a:t>
             </a:r>
           </a:p>
           <a:p>
             <a:pPr lvl="4"/>
             <a:r>
-              <a:rPr lang="de-DE" smtClean="0"/>
+              <a:rPr lang="de-DE"/>
               <a:t>Fünfte Ebene</a:t>
             </a:r>
             <a:endParaRPr lang="en-US" dirty="0"/>
@@ -2220,7 +2215,7 @@
           <a:p>
             <a:fld id="{04363DE6-930A-4E88-A008-7A901A8366BC}" type="datetime1">
               <a:rPr lang="de-DE" smtClean="0"/>
-              <a:t>02.09.2014</a:t>
+              <a:t>27.06.2021</a:t>
             </a:fld>
             <a:endParaRPr lang="de-DE"/>
           </a:p>
@@ -2242,10 +2237,9 @@
           <a:lstStyle/>
           <a:p>
             <a:r>
-              <a:rPr lang="de-DE" smtClean="0"/>
+              <a:rPr lang="de-DE"/>
               <a:t>JAuswertung - http://www.dennismueller.de</a:t>
             </a:r>
-            <a:endParaRPr lang="de-DE"/>
           </a:p>
         </p:txBody>
       </p:sp>
@@ -2323,7 +2317,7 @@
           <a:lstStyle/>
           <a:p>
             <a:r>
-              <a:rPr lang="de-DE" smtClean="0"/>
+              <a:rPr lang="de-DE"/>
               <a:t>Titelmasterformat durch Klicken bearbeiten</a:t>
             </a:r>
             <a:endParaRPr lang="en-US" dirty="0"/>
@@ -2389,7 +2383,7 @@
           <a:p>
             <a:pPr lvl="0"/>
             <a:r>
-              <a:rPr lang="de-DE" smtClean="0"/>
+              <a:rPr lang="de-DE"/>
               <a:t>Textmasterformat bearbeiten</a:t>
             </a:r>
           </a:p>
@@ -2417,35 +2411,35 @@
           <a:p>
             <a:pPr lvl="0"/>
             <a:r>
-              <a:rPr lang="de-DE" smtClean="0"/>
+              <a:rPr lang="de-DE"/>
               <a:t>Textmasterformat bearbeiten</a:t>
             </a:r>
           </a:p>
           <a:p>
             <a:pPr lvl="1"/>
             <a:r>
-              <a:rPr lang="de-DE" smtClean="0"/>
+              <a:rPr lang="de-DE"/>
               <a:t>Zweite Ebene</a:t>
             </a:r>
           </a:p>
           <a:p>
             <a:pPr lvl="2"/>
             <a:r>
-              <a:rPr lang="de-DE" smtClean="0"/>
+              <a:rPr lang="de-DE"/>
               <a:t>Dritte Ebene</a:t>
             </a:r>
           </a:p>
           <a:p>
             <a:pPr lvl="3"/>
             <a:r>
-              <a:rPr lang="de-DE" smtClean="0"/>
+              <a:rPr lang="de-DE"/>
               <a:t>Vierte Ebene</a:t>
             </a:r>
           </a:p>
           <a:p>
             <a:pPr lvl="4"/>
             <a:r>
-              <a:rPr lang="de-DE" smtClean="0"/>
+              <a:rPr lang="de-DE"/>
               <a:t>Fünfte Ebene</a:t>
             </a:r>
             <a:endParaRPr lang="en-US" dirty="0"/>
@@ -2511,7 +2505,7 @@
           <a:p>
             <a:pPr lvl="0"/>
             <a:r>
-              <a:rPr lang="de-DE" smtClean="0"/>
+              <a:rPr lang="de-DE"/>
               <a:t>Textmasterformat bearbeiten</a:t>
             </a:r>
           </a:p>
@@ -2539,35 +2533,35 @@
           <a:p>
             <a:pPr lvl="0"/>
             <a:r>
-              <a:rPr lang="de-DE" smtClean="0"/>
+              <a:rPr lang="de-DE"/>
               <a:t>Textmasterformat bearbeiten</a:t>
             </a:r>
           </a:p>
           <a:p>
             <a:pPr lvl="1"/>
             <a:r>
-              <a:rPr lang="de-DE" smtClean="0"/>
+              <a:rPr lang="de-DE"/>
               <a:t>Zweite Ebene</a:t>
             </a:r>
           </a:p>
           <a:p>
             <a:pPr lvl="2"/>
             <a:r>
-              <a:rPr lang="de-DE" smtClean="0"/>
+              <a:rPr lang="de-DE"/>
               <a:t>Dritte Ebene</a:t>
             </a:r>
           </a:p>
           <a:p>
             <a:pPr lvl="3"/>
             <a:r>
-              <a:rPr lang="de-DE" smtClean="0"/>
+              <a:rPr lang="de-DE"/>
               <a:t>Vierte Ebene</a:t>
             </a:r>
           </a:p>
           <a:p>
             <a:pPr lvl="4"/>
             <a:r>
-              <a:rPr lang="de-DE" smtClean="0"/>
+              <a:rPr lang="de-DE"/>
               <a:t>Fünfte Ebene</a:t>
             </a:r>
             <a:endParaRPr lang="en-US" dirty="0"/>
@@ -2591,7 +2585,7 @@
           <a:p>
             <a:fld id="{039D9D78-325D-490A-92CF-03B17083B43F}" type="datetime1">
               <a:rPr lang="de-DE" smtClean="0"/>
-              <a:t>02.09.2014</a:t>
+              <a:t>27.06.2021</a:t>
             </a:fld>
             <a:endParaRPr lang="de-DE"/>
           </a:p>
@@ -2613,10 +2607,9 @@
           <a:lstStyle/>
           <a:p>
             <a:r>
-              <a:rPr lang="de-DE" smtClean="0"/>
+              <a:rPr lang="de-DE"/>
               <a:t>JAuswertung - http://www.dennismueller.de</a:t>
             </a:r>
-            <a:endParaRPr lang="de-DE"/>
           </a:p>
         </p:txBody>
       </p:sp>
@@ -2689,7 +2682,7 @@
           <a:lstStyle/>
           <a:p>
             <a:r>
-              <a:rPr lang="de-DE" smtClean="0"/>
+              <a:rPr lang="de-DE"/>
               <a:t>Titelmasterformat durch Klicken bearbeiten</a:t>
             </a:r>
             <a:endParaRPr lang="en-US" dirty="0"/>
@@ -2713,7 +2706,7 @@
           <a:p>
             <a:fld id="{A136471F-88AF-4DA8-AB37-DAF74FC8EC8E}" type="datetime1">
               <a:rPr lang="de-DE" smtClean="0"/>
-              <a:t>02.09.2014</a:t>
+              <a:t>27.06.2021</a:t>
             </a:fld>
             <a:endParaRPr lang="de-DE"/>
           </a:p>
@@ -2735,10 +2728,9 @@
           <a:lstStyle/>
           <a:p>
             <a:r>
-              <a:rPr lang="de-DE" smtClean="0"/>
+              <a:rPr lang="de-DE"/>
               <a:t>JAuswertung - http://www.dennismueller.de</a:t>
             </a:r>
-            <a:endParaRPr lang="de-DE"/>
           </a:p>
         </p:txBody>
       </p:sp>
@@ -2812,7 +2804,7 @@
           <a:p>
             <a:fld id="{D3A145AF-7B22-43CB-B07B-FBD549483A7B}" type="datetime1">
               <a:rPr lang="de-DE" smtClean="0"/>
-              <a:t>02.09.2014</a:t>
+              <a:t>27.06.2021</a:t>
             </a:fld>
             <a:endParaRPr lang="de-DE"/>
           </a:p>
@@ -2834,10 +2826,9 @@
           <a:lstStyle/>
           <a:p>
             <a:r>
-              <a:rPr lang="de-DE" smtClean="0"/>
+              <a:rPr lang="de-DE"/>
               <a:t>JAuswertung - http://www.dennismueller.de</a:t>
             </a:r>
-            <a:endParaRPr lang="de-DE"/>
           </a:p>
         </p:txBody>
       </p:sp>
@@ -2919,7 +2910,7 @@
           </a:lstStyle>
           <a:p>
             <a:r>
-              <a:rPr lang="de-DE" smtClean="0"/>
+              <a:rPr lang="de-DE"/>
               <a:t>Titelmasterformat durch Klicken bearbeiten</a:t>
             </a:r>
             <a:endParaRPr lang="en-US" dirty="0"/>
@@ -2976,35 +2967,35 @@
           <a:p>
             <a:pPr lvl="0"/>
             <a:r>
-              <a:rPr lang="de-DE" smtClean="0"/>
+              <a:rPr lang="de-DE"/>
               <a:t>Textmasterformat bearbeiten</a:t>
             </a:r>
           </a:p>
           <a:p>
             <a:pPr lvl="1"/>
             <a:r>
-              <a:rPr lang="de-DE" smtClean="0"/>
+              <a:rPr lang="de-DE"/>
               <a:t>Zweite Ebene</a:t>
             </a:r>
           </a:p>
           <a:p>
             <a:pPr lvl="2"/>
             <a:r>
-              <a:rPr lang="de-DE" smtClean="0"/>
+              <a:rPr lang="de-DE"/>
               <a:t>Dritte Ebene</a:t>
             </a:r>
           </a:p>
           <a:p>
             <a:pPr lvl="3"/>
             <a:r>
-              <a:rPr lang="de-DE" smtClean="0"/>
+              <a:rPr lang="de-DE"/>
               <a:t>Vierte Ebene</a:t>
             </a:r>
           </a:p>
           <a:p>
             <a:pPr lvl="4"/>
             <a:r>
-              <a:rPr lang="de-DE" smtClean="0"/>
+              <a:rPr lang="de-DE"/>
               <a:t>Fünfte Ebene</a:t>
             </a:r>
             <a:endParaRPr lang="en-US" dirty="0"/>
@@ -3070,7 +3061,7 @@
           <a:p>
             <a:pPr lvl="0"/>
             <a:r>
-              <a:rPr lang="de-DE" smtClean="0"/>
+              <a:rPr lang="de-DE"/>
               <a:t>Textmasterformat bearbeiten</a:t>
             </a:r>
           </a:p>
@@ -3093,7 +3084,7 @@
           <a:p>
             <a:fld id="{4A9665A2-1558-494B-943E-9193C653B88B}" type="datetime1">
               <a:rPr lang="de-DE" smtClean="0"/>
-              <a:t>02.09.2014</a:t>
+              <a:t>27.06.2021</a:t>
             </a:fld>
             <a:endParaRPr lang="de-DE"/>
           </a:p>
@@ -3115,10 +3106,9 @@
           <a:lstStyle/>
           <a:p>
             <a:r>
-              <a:rPr lang="de-DE" smtClean="0"/>
+              <a:rPr lang="de-DE"/>
               <a:t>JAuswertung - http://www.dennismueller.de</a:t>
             </a:r>
-            <a:endParaRPr lang="de-DE"/>
           </a:p>
         </p:txBody>
       </p:sp>
@@ -3200,7 +3190,7 @@
           </a:lstStyle>
           <a:p>
             <a:r>
-              <a:rPr lang="de-DE" smtClean="0"/>
+              <a:rPr lang="de-DE"/>
               <a:t>Titelmasterformat durch Klicken bearbeiten</a:t>
             </a:r>
             <a:endParaRPr lang="en-US" dirty="0"/>
@@ -3265,7 +3255,7 @@
           </a:lstStyle>
           <a:p>
             <a:r>
-              <a:rPr lang="de-DE" smtClean="0"/>
+              <a:rPr lang="de-DE"/>
               <a:t>Bild durch Klicken auf Symbol hinzufügen</a:t>
             </a:r>
             <a:endParaRPr lang="en-US" dirty="0"/>
@@ -3331,7 +3321,7 @@
           <a:p>
             <a:pPr lvl="0"/>
             <a:r>
-              <a:rPr lang="de-DE" smtClean="0"/>
+              <a:rPr lang="de-DE"/>
               <a:t>Textmasterformat bearbeiten</a:t>
             </a:r>
           </a:p>
@@ -3354,7 +3344,7 @@
           <a:p>
             <a:fld id="{B9E3897B-F2B8-4137-8DD1-43EBC31EA687}" type="datetime1">
               <a:rPr lang="de-DE" smtClean="0"/>
-              <a:t>02.09.2014</a:t>
+              <a:t>27.06.2021</a:t>
             </a:fld>
             <a:endParaRPr lang="de-DE"/>
           </a:p>
@@ -3376,10 +3366,9 @@
           <a:lstStyle/>
           <a:p>
             <a:r>
-              <a:rPr lang="de-DE" smtClean="0"/>
+              <a:rPr lang="de-DE"/>
               <a:t>JAuswertung - http://www.dennismueller.de</a:t>
             </a:r>
-            <a:endParaRPr lang="de-DE"/>
           </a:p>
         </p:txBody>
       </p:sp>
@@ -3515,7 +3504,7 @@
           <a:lstStyle/>
           <a:p>
             <a:r>
-              <a:rPr lang="de-DE" smtClean="0"/>
+              <a:rPr lang="de-DE"/>
               <a:t>Titelmasterformat durch Klicken bearbeiten</a:t>
             </a:r>
             <a:endParaRPr lang="en-US" dirty="0"/>
@@ -3549,35 +3538,35 @@
           <a:p>
             <a:pPr lvl="0"/>
             <a:r>
-              <a:rPr lang="de-DE" smtClean="0"/>
+              <a:rPr lang="de-DE"/>
               <a:t>Textmasterformat bearbeiten</a:t>
             </a:r>
           </a:p>
           <a:p>
             <a:pPr lvl="1"/>
             <a:r>
-              <a:rPr lang="de-DE" smtClean="0"/>
+              <a:rPr lang="de-DE"/>
               <a:t>Zweite Ebene</a:t>
             </a:r>
           </a:p>
           <a:p>
             <a:pPr lvl="2"/>
             <a:r>
-              <a:rPr lang="de-DE" smtClean="0"/>
+              <a:rPr lang="de-DE"/>
               <a:t>Dritte Ebene</a:t>
             </a:r>
           </a:p>
           <a:p>
             <a:pPr lvl="3"/>
             <a:r>
-              <a:rPr lang="de-DE" smtClean="0"/>
+              <a:rPr lang="de-DE"/>
               <a:t>Vierte Ebene</a:t>
             </a:r>
           </a:p>
           <a:p>
             <a:pPr lvl="4"/>
             <a:r>
-              <a:rPr lang="de-DE" smtClean="0"/>
+              <a:rPr lang="de-DE"/>
               <a:t>Fünfte Ebene</a:t>
             </a:r>
             <a:endParaRPr lang="en-US" dirty="0"/>
@@ -3619,7 +3608,7 @@
           <a:p>
             <a:fld id="{42AA08EE-E7D0-4724-85B1-232E4D1F9757}" type="datetime1">
               <a:rPr lang="de-DE" smtClean="0"/>
-              <a:t>02.09.2014</a:t>
+              <a:t>27.06.2021</a:t>
             </a:fld>
             <a:endParaRPr lang="de-DE"/>
           </a:p>
@@ -3659,10 +3648,9 @@
           </a:lstStyle>
           <a:p>
             <a:r>
-              <a:rPr lang="de-DE" smtClean="0"/>
+              <a:rPr lang="de-DE"/>
               <a:t>JAuswertung - http://www.dennismueller.de</a:t>
             </a:r>
-            <a:endParaRPr lang="de-DE"/>
           </a:p>
         </p:txBody>
       </p:sp>
@@ -4046,7 +4034,7 @@
           <a:p>
             <a:pPr eaLnBrk="1" hangingPunct="1"/>
             <a:r>
-              <a:rPr lang="de-DE" altLang="de-DE" smtClean="0"/>
+              <a:rPr lang="de-DE" altLang="de-DE"/>
               <a:t>Checksummen in JAuswertung</a:t>
             </a:r>
           </a:p>
@@ -4086,14 +4074,22 @@
             <a:pPr eaLnBrk="1" hangingPunct="1"/>
             <a:r>
               <a:rPr lang="de-DE" altLang="de-DE" sz="2086" dirty="0"/>
-              <a:t>http://www.dennismueller.de</a:t>
+              <a:t>https://www.dennisfabri.de</a:t>
             </a:r>
           </a:p>
           <a:p>
             <a:pPr eaLnBrk="1" hangingPunct="1"/>
             <a:r>
               <a:rPr lang="de-DE" altLang="de-DE" sz="2086" dirty="0"/>
-              <a:t>info@dennismueller.de</a:t>
+              <a:t>info</a:t>
+            </a:r>
+            <a:r>
+              <a:rPr lang="de-DE" altLang="de-DE" sz="2086"/>
+              <a:t>@dennisfabri.</a:t>
+            </a:r>
+            <a:r>
+              <a:rPr lang="de-DE" altLang="de-DE" sz="2086" dirty="0"/>
+              <a:t>de</a:t>
             </a:r>
           </a:p>
         </p:txBody>
@@ -4108,13 +4104,6 @@
   <p:clrMapOvr>
     <a:masterClrMapping/>
   </p:clrMapOvr>
-  <p:timing>
-    <p:tnLst>
-      <p:par>
-        <p:cTn id="1" dur="indefinite" restart="never" nodeType="tmRoot"/>
-      </p:par>
-    </p:tnLst>
-  </p:timing>
 </p:sld>
 </file>
 
@@ -4151,7 +4140,7 @@
           <a:lstStyle/>
           <a:p>
             <a:r>
-              <a:rPr lang="de-DE" altLang="de-DE" smtClean="0"/>
+              <a:rPr lang="de-DE" altLang="de-DE"/>
               <a:t>Wieso Checksummen?</a:t>
             </a:r>
           </a:p>
@@ -4173,19 +4162,19 @@
           <a:lstStyle/>
           <a:p>
             <a:r>
-              <a:rPr lang="de-DE" altLang="de-DE" smtClean="0"/>
+              <a:rPr lang="de-DE" altLang="de-DE"/>
               <a:t>Einfache Überprüfung der Regelwerkseinstellungen vor dem Wettkampf</a:t>
             </a:r>
           </a:p>
           <a:p>
             <a:r>
-              <a:rPr lang="de-DE" altLang="de-DE" smtClean="0"/>
+              <a:rPr lang="de-DE" altLang="de-DE"/>
               <a:t>Schnellere Unterscheidung von Ergebnissen während eines Wettkampfs</a:t>
             </a:r>
           </a:p>
           <a:p>
             <a:r>
-              <a:rPr lang="de-DE" altLang="de-DE" smtClean="0"/>
+              <a:rPr lang="de-DE" altLang="de-DE"/>
               <a:t>Überprüfung der Konsistenz von Protokollen bei der Meldung zu LVM oder DM</a:t>
             </a:r>
           </a:p>
@@ -4208,7 +4197,7 @@
           <a:p>
             <a:fld id="{7EF0B173-83C5-45D7-94A0-3CE3DFD210F2}" type="datetime1">
               <a:rPr lang="de-DE" smtClean="0"/>
-              <a:t>02.09.2014</a:t>
+              <a:t>27.06.2021</a:t>
             </a:fld>
             <a:endParaRPr lang="de-DE" dirty="0"/>
           </a:p>
@@ -4230,7 +4219,7 @@
           <a:lstStyle/>
           <a:p>
             <a:r>
-              <a:rPr lang="de-DE" smtClean="0"/>
+              <a:rPr lang="de-DE"/>
               <a:t>JAuswertung - http://www.dennismueller.de</a:t>
             </a:r>
             <a:endParaRPr lang="de-DE" dirty="0"/>
@@ -4306,7 +4295,7 @@
           <a:lstStyle/>
           <a:p>
             <a:r>
-              <a:rPr lang="de-DE" altLang="de-DE" smtClean="0"/>
+              <a:rPr lang="de-DE" altLang="de-DE"/>
               <a:t>Wofür Checksummen?</a:t>
             </a:r>
           </a:p>
@@ -4419,7 +4408,7 @@
           <a:p>
             <a:fld id="{30152C5F-EC4A-46AD-842E-102A931E333C}" type="datetime1">
               <a:rPr lang="de-DE" smtClean="0"/>
-              <a:t>02.09.2014</a:t>
+              <a:t>27.06.2021</a:t>
             </a:fld>
             <a:endParaRPr lang="de-DE" dirty="0"/>
           </a:p>
@@ -4441,7 +4430,7 @@
           <a:lstStyle/>
           <a:p>
             <a:r>
-              <a:rPr lang="de-DE" smtClean="0"/>
+              <a:rPr lang="de-DE"/>
               <a:t>JAuswertung - http://www.dennismueller.de</a:t>
             </a:r>
             <a:endParaRPr lang="de-DE" dirty="0"/>
@@ -4517,7 +4506,7 @@
           <a:lstStyle/>
           <a:p>
             <a:r>
-              <a:rPr lang="de-DE" altLang="de-DE" smtClean="0"/>
+              <a:rPr lang="de-DE" altLang="de-DE"/>
               <a:t>Funktionsweise</a:t>
             </a:r>
           </a:p>
@@ -4574,7 +4563,7 @@
           <a:p>
             <a:fld id="{E9F9DBAF-B5B5-4188-A7EF-12565D06AAB2}" type="datetime1">
               <a:rPr lang="de-DE" smtClean="0"/>
-              <a:t>02.09.2014</a:t>
+              <a:t>27.06.2021</a:t>
             </a:fld>
             <a:endParaRPr lang="de-DE" dirty="0"/>
           </a:p>
@@ -4596,7 +4585,7 @@
           <a:lstStyle/>
           <a:p>
             <a:r>
-              <a:rPr lang="de-DE" smtClean="0"/>
+              <a:rPr lang="de-DE"/>
               <a:t>JAuswertung - http://www.dennismueller.de</a:t>
             </a:r>
             <a:endParaRPr lang="de-DE" dirty="0"/>
@@ -4672,7 +4661,7 @@
           <a:lstStyle/>
           <a:p>
             <a:r>
-              <a:rPr lang="de-DE" altLang="de-DE" smtClean="0"/>
+              <a:rPr lang="de-DE" altLang="de-DE"/>
               <a:t>Checksummen der Ergebnisse</a:t>
             </a:r>
           </a:p>
@@ -4994,7 +4983,7 @@
           <a:p>
             <a:fld id="{C6E44664-71EF-4213-92A6-4784800A9721}" type="datetime1">
               <a:rPr lang="de-DE" smtClean="0"/>
-              <a:t>02.09.2014</a:t>
+              <a:t>27.06.2021</a:t>
             </a:fld>
             <a:endParaRPr lang="de-DE"/>
           </a:p>
@@ -5016,10 +5005,9 @@
           <a:lstStyle/>
           <a:p>
             <a:r>
-              <a:rPr lang="de-DE" smtClean="0"/>
+              <a:rPr lang="de-DE"/>
               <a:t>JAuswertung - http://www.dennismueller.de</a:t>
             </a:r>
-            <a:endParaRPr lang="de-DE"/>
           </a:p>
         </p:txBody>
       </p:sp>
@@ -5093,7 +5081,7 @@
           <a:p>
             <a:pPr eaLnBrk="1" hangingPunct="1"/>
             <a:r>
-              <a:rPr lang="de-DE" altLang="de-DE" dirty="0" smtClean="0"/>
+              <a:rPr lang="de-DE" altLang="de-DE" dirty="0"/>
               <a:t>Checksummen im Protokoll</a:t>
             </a:r>
           </a:p>
@@ -5141,7 +5129,7 @@
           <a:p>
             <a:fld id="{D2342F52-D20F-42FE-8186-29FEA0B3F5B8}" type="datetime1">
               <a:rPr lang="de-DE" smtClean="0"/>
-              <a:t>02.09.2014</a:t>
+              <a:t>27.06.2021</a:t>
             </a:fld>
             <a:endParaRPr lang="de-DE"/>
           </a:p>
@@ -5163,10 +5151,9 @@
           <a:lstStyle/>
           <a:p>
             <a:r>
-              <a:rPr lang="de-DE" dirty="0" smtClean="0"/>
+              <a:rPr lang="de-DE" dirty="0"/>
               <a:t>JAuswertung - http://www.dennismueller.de</a:t>
             </a:r>
-            <a:endParaRPr lang="de-DE" dirty="0"/>
           </a:p>
         </p:txBody>
       </p:sp>
